--- a/wednesday/Closing_Thoughts.pptx
+++ b/wednesday/Closing_Thoughts.pptx
@@ -5,7 +5,7 @@
     <p:sldMasterId id="2147483648" r:id="rId1"/>
   </p:sldMasterIdLst>
   <p:notesMasterIdLst>
-    <p:notesMasterId r:id="rId9"/>
+    <p:notesMasterId r:id="rId8"/>
   </p:notesMasterIdLst>
   <p:sldIdLst>
     <p:sldId id="372" r:id="rId2"/>
@@ -13,8 +13,7 @@
     <p:sldId id="382" r:id="rId4"/>
     <p:sldId id="377" r:id="rId5"/>
     <p:sldId id="376" r:id="rId6"/>
-    <p:sldId id="379" r:id="rId7"/>
-    <p:sldId id="380" r:id="rId8"/>
+    <p:sldId id="383" r:id="rId7"/>
   </p:sldIdLst>
   <p:sldSz cx="12192000" cy="6858000"/>
   <p:notesSz cx="6858000" cy="9144000"/>
@@ -203,7 +202,7 @@
           <a:p>
             <a:fld id="{2BB4664A-E94C-1E48-87DE-6B2D861CC4E3}" type="datetimeFigureOut">
               <a:rPr lang="en-US" smtClean="0"/>
-              <a:t>9/12/17</a:t>
+              <a:t>5/23/18</a:t>
             </a:fld>
             <a:endParaRPr lang="en-US"/>
           </a:p>
@@ -267,38 +266,37 @@
           <a:p>
             <a:pPr lvl="0"/>
             <a:r>
-              <a:rPr lang="en-US" smtClean="0"/>
+              <a:rPr lang="en-US"/>
               <a:t>Click to edit Master text styles</a:t>
             </a:r>
           </a:p>
           <a:p>
             <a:pPr lvl="1"/>
             <a:r>
-              <a:rPr lang="en-US" smtClean="0"/>
+              <a:rPr lang="en-US"/>
               <a:t>Second level</a:t>
             </a:r>
           </a:p>
           <a:p>
             <a:pPr lvl="2"/>
             <a:r>
-              <a:rPr lang="en-US" smtClean="0"/>
+              <a:rPr lang="en-US"/>
               <a:t>Third level</a:t>
             </a:r>
           </a:p>
           <a:p>
             <a:pPr lvl="3"/>
             <a:r>
-              <a:rPr lang="en-US" smtClean="0"/>
+              <a:rPr lang="en-US"/>
               <a:t>Fourth level</a:t>
             </a:r>
           </a:p>
           <a:p>
             <a:pPr lvl="4"/>
             <a:r>
-              <a:rPr lang="en-US" smtClean="0"/>
+              <a:rPr lang="en-US"/>
               <a:t>Fifth level</a:t>
             </a:r>
-            <a:endParaRPr lang="en-US"/>
           </a:p>
         </p:txBody>
       </p:sp>
@@ -603,10 +601,9 @@
           </a:lstStyle>
           <a:p>
             <a:r>
-              <a:rPr lang="en-US" smtClean="0"/>
+              <a:rPr lang="en-US"/>
               <a:t>Click to edit Master title style</a:t>
             </a:r>
-            <a:endParaRPr lang="en-US"/>
           </a:p>
         </p:txBody>
       </p:sp>
@@ -668,10 +665,9 @@
           </a:lstStyle>
           <a:p>
             <a:r>
-              <a:rPr lang="en-US" smtClean="0"/>
+              <a:rPr lang="en-US"/>
               <a:t>Click to edit Master subtitle style</a:t>
             </a:r>
-            <a:endParaRPr lang="en-US"/>
           </a:p>
         </p:txBody>
       </p:sp>
@@ -692,7 +688,7 @@
           <a:p>
             <a:fld id="{E70F27B2-3269-4E45-84E0-3A554EA5F6EB}" type="datetimeFigureOut">
               <a:rPr lang="en-US" smtClean="0"/>
-              <a:t>9/12/17</a:t>
+              <a:t>5/23/18</a:t>
             </a:fld>
             <a:endParaRPr lang="en-US"/>
           </a:p>
@@ -786,10 +782,9 @@
           <a:lstStyle/>
           <a:p>
             <a:r>
-              <a:rPr lang="en-US" smtClean="0"/>
+              <a:rPr lang="en-US"/>
               <a:t>Click to edit Master title style</a:t>
             </a:r>
-            <a:endParaRPr lang="en-US"/>
           </a:p>
         </p:txBody>
       </p:sp>
@@ -810,38 +805,37 @@
           <a:p>
             <a:pPr lvl="0"/>
             <a:r>
-              <a:rPr lang="en-US" smtClean="0"/>
+              <a:rPr lang="en-US"/>
               <a:t>Click to edit Master text styles</a:t>
             </a:r>
           </a:p>
           <a:p>
             <a:pPr lvl="1"/>
             <a:r>
-              <a:rPr lang="en-US" smtClean="0"/>
+              <a:rPr lang="en-US"/>
               <a:t>Second level</a:t>
             </a:r>
           </a:p>
           <a:p>
             <a:pPr lvl="2"/>
             <a:r>
-              <a:rPr lang="en-US" smtClean="0"/>
+              <a:rPr lang="en-US"/>
               <a:t>Third level</a:t>
             </a:r>
           </a:p>
           <a:p>
             <a:pPr lvl="3"/>
             <a:r>
-              <a:rPr lang="en-US" smtClean="0"/>
+              <a:rPr lang="en-US"/>
               <a:t>Fourth level</a:t>
             </a:r>
           </a:p>
           <a:p>
             <a:pPr lvl="4"/>
             <a:r>
-              <a:rPr lang="en-US" smtClean="0"/>
+              <a:rPr lang="en-US"/>
               <a:t>Fifth level</a:t>
             </a:r>
-            <a:endParaRPr lang="en-US"/>
           </a:p>
         </p:txBody>
       </p:sp>
@@ -862,7 +856,7 @@
           <a:p>
             <a:fld id="{E70F27B2-3269-4E45-84E0-3A554EA5F6EB}" type="datetimeFigureOut">
               <a:rPr lang="en-US" smtClean="0"/>
-              <a:t>9/12/17</a:t>
+              <a:t>5/23/18</a:t>
             </a:fld>
             <a:endParaRPr lang="en-US"/>
           </a:p>
@@ -961,10 +955,9 @@
           <a:lstStyle/>
           <a:p>
             <a:r>
-              <a:rPr lang="en-US" smtClean="0"/>
+              <a:rPr lang="en-US"/>
               <a:t>Click to edit Master title style</a:t>
             </a:r>
-            <a:endParaRPr lang="en-US"/>
           </a:p>
         </p:txBody>
       </p:sp>
@@ -990,38 +983,37 @@
           <a:p>
             <a:pPr lvl="0"/>
             <a:r>
-              <a:rPr lang="en-US" smtClean="0"/>
+              <a:rPr lang="en-US"/>
               <a:t>Click to edit Master text styles</a:t>
             </a:r>
           </a:p>
           <a:p>
             <a:pPr lvl="1"/>
             <a:r>
-              <a:rPr lang="en-US" smtClean="0"/>
+              <a:rPr lang="en-US"/>
               <a:t>Second level</a:t>
             </a:r>
           </a:p>
           <a:p>
             <a:pPr lvl="2"/>
             <a:r>
-              <a:rPr lang="en-US" smtClean="0"/>
+              <a:rPr lang="en-US"/>
               <a:t>Third level</a:t>
             </a:r>
           </a:p>
           <a:p>
             <a:pPr lvl="3"/>
             <a:r>
-              <a:rPr lang="en-US" smtClean="0"/>
+              <a:rPr lang="en-US"/>
               <a:t>Fourth level</a:t>
             </a:r>
           </a:p>
           <a:p>
             <a:pPr lvl="4"/>
             <a:r>
-              <a:rPr lang="en-US" smtClean="0"/>
+              <a:rPr lang="en-US"/>
               <a:t>Fifth level</a:t>
             </a:r>
-            <a:endParaRPr lang="en-US"/>
           </a:p>
         </p:txBody>
       </p:sp>
@@ -1042,7 +1034,7 @@
           <a:p>
             <a:fld id="{E70F27B2-3269-4E45-84E0-3A554EA5F6EB}" type="datetimeFigureOut">
               <a:rPr lang="en-US" smtClean="0"/>
-              <a:t>9/12/17</a:t>
+              <a:t>5/23/18</a:t>
             </a:fld>
             <a:endParaRPr lang="en-US"/>
           </a:p>
@@ -1141,10 +1133,9 @@
           <a:lstStyle/>
           <a:p>
             <a:r>
-              <a:rPr lang="en-US" smtClean="0"/>
+              <a:rPr lang="en-US"/>
               <a:t>Click to edit Master title style</a:t>
             </a:r>
-            <a:endParaRPr lang="en-US"/>
           </a:p>
         </p:txBody>
       </p:sp>
@@ -1280,10 +1271,9 @@
           <a:lstStyle/>
           <a:p>
             <a:r>
-              <a:rPr lang="en-US" smtClean="0"/>
+              <a:rPr lang="en-US"/>
               <a:t>Click to edit Master title style</a:t>
             </a:r>
-            <a:endParaRPr lang="en-US"/>
           </a:p>
         </p:txBody>
       </p:sp>
@@ -1304,38 +1294,37 @@
           <a:p>
             <a:pPr lvl="0"/>
             <a:r>
-              <a:rPr lang="en-US" smtClean="0"/>
+              <a:rPr lang="en-US"/>
               <a:t>Click to edit Master text styles</a:t>
             </a:r>
           </a:p>
           <a:p>
             <a:pPr lvl="1"/>
             <a:r>
-              <a:rPr lang="en-US" smtClean="0"/>
+              <a:rPr lang="en-US"/>
               <a:t>Second level</a:t>
             </a:r>
           </a:p>
           <a:p>
             <a:pPr lvl="2"/>
             <a:r>
-              <a:rPr lang="en-US" smtClean="0"/>
+              <a:rPr lang="en-US"/>
               <a:t>Third level</a:t>
             </a:r>
           </a:p>
           <a:p>
             <a:pPr lvl="3"/>
             <a:r>
-              <a:rPr lang="en-US" smtClean="0"/>
+              <a:rPr lang="en-US"/>
               <a:t>Fourth level</a:t>
             </a:r>
           </a:p>
           <a:p>
             <a:pPr lvl="4"/>
             <a:r>
-              <a:rPr lang="en-US" smtClean="0"/>
+              <a:rPr lang="en-US"/>
               <a:t>Fifth level</a:t>
             </a:r>
-            <a:endParaRPr lang="en-US"/>
           </a:p>
         </p:txBody>
       </p:sp>
@@ -1356,7 +1345,7 @@
           <a:p>
             <a:fld id="{E70F27B2-3269-4E45-84E0-3A554EA5F6EB}" type="datetimeFigureOut">
               <a:rPr lang="en-US" smtClean="0"/>
-              <a:t>9/12/17</a:t>
+              <a:t>5/23/18</a:t>
             </a:fld>
             <a:endParaRPr lang="en-US"/>
           </a:p>
@@ -1459,10 +1448,9 @@
           </a:lstStyle>
           <a:p>
             <a:r>
-              <a:rPr lang="en-US" smtClean="0"/>
+              <a:rPr lang="en-US"/>
               <a:t>Click to edit Master title style</a:t>
             </a:r>
-            <a:endParaRPr lang="en-US"/>
           </a:p>
         </p:txBody>
       </p:sp>
@@ -1579,7 +1567,7 @@
           <a:p>
             <a:pPr lvl="0"/>
             <a:r>
-              <a:rPr lang="en-US" smtClean="0"/>
+              <a:rPr lang="en-US"/>
               <a:t>Click to edit Master text styles</a:t>
             </a:r>
           </a:p>
@@ -1602,7 +1590,7 @@
           <a:p>
             <a:fld id="{E70F27B2-3269-4E45-84E0-3A554EA5F6EB}" type="datetimeFigureOut">
               <a:rPr lang="en-US" smtClean="0"/>
-              <a:t>9/12/17</a:t>
+              <a:t>5/23/18</a:t>
             </a:fld>
             <a:endParaRPr lang="en-US"/>
           </a:p>
@@ -1696,10 +1684,9 @@
           <a:lstStyle/>
           <a:p>
             <a:r>
-              <a:rPr lang="en-US" smtClean="0"/>
+              <a:rPr lang="en-US"/>
               <a:t>Click to edit Master title style</a:t>
             </a:r>
-            <a:endParaRPr lang="en-US"/>
           </a:p>
         </p:txBody>
       </p:sp>
@@ -1725,38 +1712,37 @@
           <a:p>
             <a:pPr lvl="0"/>
             <a:r>
-              <a:rPr lang="en-US" smtClean="0"/>
+              <a:rPr lang="en-US"/>
               <a:t>Click to edit Master text styles</a:t>
             </a:r>
           </a:p>
           <a:p>
             <a:pPr lvl="1"/>
             <a:r>
-              <a:rPr lang="en-US" smtClean="0"/>
+              <a:rPr lang="en-US"/>
               <a:t>Second level</a:t>
             </a:r>
           </a:p>
           <a:p>
             <a:pPr lvl="2"/>
             <a:r>
-              <a:rPr lang="en-US" smtClean="0"/>
+              <a:rPr lang="en-US"/>
               <a:t>Third level</a:t>
             </a:r>
           </a:p>
           <a:p>
             <a:pPr lvl="3"/>
             <a:r>
-              <a:rPr lang="en-US" smtClean="0"/>
+              <a:rPr lang="en-US"/>
               <a:t>Fourth level</a:t>
             </a:r>
           </a:p>
           <a:p>
             <a:pPr lvl="4"/>
             <a:r>
-              <a:rPr lang="en-US" smtClean="0"/>
+              <a:rPr lang="en-US"/>
               <a:t>Fifth level</a:t>
             </a:r>
-            <a:endParaRPr lang="en-US"/>
           </a:p>
         </p:txBody>
       </p:sp>
@@ -1782,38 +1768,37 @@
           <a:p>
             <a:pPr lvl="0"/>
             <a:r>
-              <a:rPr lang="en-US" smtClean="0"/>
+              <a:rPr lang="en-US"/>
               <a:t>Click to edit Master text styles</a:t>
             </a:r>
           </a:p>
           <a:p>
             <a:pPr lvl="1"/>
             <a:r>
-              <a:rPr lang="en-US" smtClean="0"/>
+              <a:rPr lang="en-US"/>
               <a:t>Second level</a:t>
             </a:r>
           </a:p>
           <a:p>
             <a:pPr lvl="2"/>
             <a:r>
-              <a:rPr lang="en-US" smtClean="0"/>
+              <a:rPr lang="en-US"/>
               <a:t>Third level</a:t>
             </a:r>
           </a:p>
           <a:p>
             <a:pPr lvl="3"/>
             <a:r>
-              <a:rPr lang="en-US" smtClean="0"/>
+              <a:rPr lang="en-US"/>
               <a:t>Fourth level</a:t>
             </a:r>
           </a:p>
           <a:p>
             <a:pPr lvl="4"/>
             <a:r>
-              <a:rPr lang="en-US" smtClean="0"/>
+              <a:rPr lang="en-US"/>
               <a:t>Fifth level</a:t>
             </a:r>
-            <a:endParaRPr lang="en-US"/>
           </a:p>
         </p:txBody>
       </p:sp>
@@ -1834,7 +1819,7 @@
           <a:p>
             <a:fld id="{E70F27B2-3269-4E45-84E0-3A554EA5F6EB}" type="datetimeFigureOut">
               <a:rPr lang="en-US" smtClean="0"/>
-              <a:t>9/12/17</a:t>
+              <a:t>5/23/18</a:t>
             </a:fld>
             <a:endParaRPr lang="en-US"/>
           </a:p>
@@ -1933,10 +1918,9 @@
           <a:lstStyle/>
           <a:p>
             <a:r>
-              <a:rPr lang="en-US" smtClean="0"/>
+              <a:rPr lang="en-US"/>
               <a:t>Click to edit Master title style</a:t>
             </a:r>
-            <a:endParaRPr lang="en-US"/>
           </a:p>
         </p:txBody>
       </p:sp>
@@ -1999,7 +1983,7 @@
           <a:p>
             <a:pPr lvl="0"/>
             <a:r>
-              <a:rPr lang="en-US" smtClean="0"/>
+              <a:rPr lang="en-US"/>
               <a:t>Click to edit Master text styles</a:t>
             </a:r>
           </a:p>
@@ -2027,38 +2011,37 @@
           <a:p>
             <a:pPr lvl="0"/>
             <a:r>
-              <a:rPr lang="en-US" smtClean="0"/>
+              <a:rPr lang="en-US"/>
               <a:t>Click to edit Master text styles</a:t>
             </a:r>
           </a:p>
           <a:p>
             <a:pPr lvl="1"/>
             <a:r>
-              <a:rPr lang="en-US" smtClean="0"/>
+              <a:rPr lang="en-US"/>
               <a:t>Second level</a:t>
             </a:r>
           </a:p>
           <a:p>
             <a:pPr lvl="2"/>
             <a:r>
-              <a:rPr lang="en-US" smtClean="0"/>
+              <a:rPr lang="en-US"/>
               <a:t>Third level</a:t>
             </a:r>
           </a:p>
           <a:p>
             <a:pPr lvl="3"/>
             <a:r>
-              <a:rPr lang="en-US" smtClean="0"/>
+              <a:rPr lang="en-US"/>
               <a:t>Fourth level</a:t>
             </a:r>
           </a:p>
           <a:p>
             <a:pPr lvl="4"/>
             <a:r>
-              <a:rPr lang="en-US" smtClean="0"/>
+              <a:rPr lang="en-US"/>
               <a:t>Fifth level</a:t>
             </a:r>
-            <a:endParaRPr lang="en-US"/>
           </a:p>
         </p:txBody>
       </p:sp>
@@ -2121,7 +2104,7 @@
           <a:p>
             <a:pPr lvl="0"/>
             <a:r>
-              <a:rPr lang="en-US" smtClean="0"/>
+              <a:rPr lang="en-US"/>
               <a:t>Click to edit Master text styles</a:t>
             </a:r>
           </a:p>
@@ -2149,38 +2132,37 @@
           <a:p>
             <a:pPr lvl="0"/>
             <a:r>
-              <a:rPr lang="en-US" smtClean="0"/>
+              <a:rPr lang="en-US"/>
               <a:t>Click to edit Master text styles</a:t>
             </a:r>
           </a:p>
           <a:p>
             <a:pPr lvl="1"/>
             <a:r>
-              <a:rPr lang="en-US" smtClean="0"/>
+              <a:rPr lang="en-US"/>
               <a:t>Second level</a:t>
             </a:r>
           </a:p>
           <a:p>
             <a:pPr lvl="2"/>
             <a:r>
-              <a:rPr lang="en-US" smtClean="0"/>
+              <a:rPr lang="en-US"/>
               <a:t>Third level</a:t>
             </a:r>
           </a:p>
           <a:p>
             <a:pPr lvl="3"/>
             <a:r>
-              <a:rPr lang="en-US" smtClean="0"/>
+              <a:rPr lang="en-US"/>
               <a:t>Fourth level</a:t>
             </a:r>
           </a:p>
           <a:p>
             <a:pPr lvl="4"/>
             <a:r>
-              <a:rPr lang="en-US" smtClean="0"/>
+              <a:rPr lang="en-US"/>
               <a:t>Fifth level</a:t>
             </a:r>
-            <a:endParaRPr lang="en-US"/>
           </a:p>
         </p:txBody>
       </p:sp>
@@ -2201,7 +2183,7 @@
           <a:p>
             <a:fld id="{E70F27B2-3269-4E45-84E0-3A554EA5F6EB}" type="datetimeFigureOut">
               <a:rPr lang="en-US" smtClean="0"/>
-              <a:t>9/12/17</a:t>
+              <a:t>5/23/18</a:t>
             </a:fld>
             <a:endParaRPr lang="en-US"/>
           </a:p>
@@ -2295,10 +2277,9 @@
           <a:lstStyle/>
           <a:p>
             <a:r>
-              <a:rPr lang="en-US" smtClean="0"/>
+              <a:rPr lang="en-US"/>
               <a:t>Click to edit Master title style</a:t>
             </a:r>
-            <a:endParaRPr lang="en-US"/>
           </a:p>
         </p:txBody>
       </p:sp>
@@ -2319,7 +2300,7 @@
           <a:p>
             <a:fld id="{E70F27B2-3269-4E45-84E0-3A554EA5F6EB}" type="datetimeFigureOut">
               <a:rPr lang="en-US" smtClean="0"/>
-              <a:t>9/12/17</a:t>
+              <a:t>5/23/18</a:t>
             </a:fld>
             <a:endParaRPr lang="en-US"/>
           </a:p>
@@ -2414,7 +2395,7 @@
           <a:p>
             <a:fld id="{E70F27B2-3269-4E45-84E0-3A554EA5F6EB}" type="datetimeFigureOut">
               <a:rPr lang="en-US" smtClean="0"/>
-              <a:t>9/12/17</a:t>
+              <a:t>5/23/18</a:t>
             </a:fld>
             <a:endParaRPr lang="en-US"/>
           </a:p>
@@ -2517,10 +2498,9 @@
           </a:lstStyle>
           <a:p>
             <a:r>
-              <a:rPr lang="en-US" smtClean="0"/>
+              <a:rPr lang="en-US"/>
               <a:t>Click to edit Master title style</a:t>
             </a:r>
-            <a:endParaRPr lang="en-US"/>
           </a:p>
         </p:txBody>
       </p:sp>
@@ -2574,38 +2554,37 @@
           <a:p>
             <a:pPr lvl="0"/>
             <a:r>
-              <a:rPr lang="en-US" smtClean="0"/>
+              <a:rPr lang="en-US"/>
               <a:t>Click to edit Master text styles</a:t>
             </a:r>
           </a:p>
           <a:p>
             <a:pPr lvl="1"/>
             <a:r>
-              <a:rPr lang="en-US" smtClean="0"/>
+              <a:rPr lang="en-US"/>
               <a:t>Second level</a:t>
             </a:r>
           </a:p>
           <a:p>
             <a:pPr lvl="2"/>
             <a:r>
-              <a:rPr lang="en-US" smtClean="0"/>
+              <a:rPr lang="en-US"/>
               <a:t>Third level</a:t>
             </a:r>
           </a:p>
           <a:p>
             <a:pPr lvl="3"/>
             <a:r>
-              <a:rPr lang="en-US" smtClean="0"/>
+              <a:rPr lang="en-US"/>
               <a:t>Fourth level</a:t>
             </a:r>
           </a:p>
           <a:p>
             <a:pPr lvl="4"/>
             <a:r>
-              <a:rPr lang="en-US" smtClean="0"/>
+              <a:rPr lang="en-US"/>
               <a:t>Fifth level</a:t>
             </a:r>
-            <a:endParaRPr lang="en-US"/>
           </a:p>
         </p:txBody>
       </p:sp>
@@ -2668,7 +2647,7 @@
           <a:p>
             <a:pPr lvl="0"/>
             <a:r>
-              <a:rPr lang="en-US" smtClean="0"/>
+              <a:rPr lang="en-US"/>
               <a:t>Click to edit Master text styles</a:t>
             </a:r>
           </a:p>
@@ -2691,7 +2670,7 @@
           <a:p>
             <a:fld id="{E70F27B2-3269-4E45-84E0-3A554EA5F6EB}" type="datetimeFigureOut">
               <a:rPr lang="en-US" smtClean="0"/>
-              <a:t>9/12/17</a:t>
+              <a:t>5/23/18</a:t>
             </a:fld>
             <a:endParaRPr lang="en-US"/>
           </a:p>
@@ -2794,10 +2773,9 @@
           </a:lstStyle>
           <a:p>
             <a:r>
-              <a:rPr lang="en-US" smtClean="0"/>
+              <a:rPr lang="en-US"/>
               <a:t>Click to edit Master title style</a:t>
             </a:r>
-            <a:endParaRPr lang="en-US"/>
           </a:p>
         </p:txBody>
       </p:sp>
@@ -2921,7 +2899,7 @@
           <a:p>
             <a:pPr lvl="0"/>
             <a:r>
-              <a:rPr lang="en-US" smtClean="0"/>
+              <a:rPr lang="en-US"/>
               <a:t>Click to edit Master text styles</a:t>
             </a:r>
           </a:p>
@@ -2944,7 +2922,7 @@
           <a:p>
             <a:fld id="{E70F27B2-3269-4E45-84E0-3A554EA5F6EB}" type="datetimeFigureOut">
               <a:rPr lang="en-US" smtClean="0"/>
-              <a:t>9/12/17</a:t>
+              <a:t>5/23/18</a:t>
             </a:fld>
             <a:endParaRPr lang="en-US"/>
           </a:p>
@@ -3053,10 +3031,9 @@
           <a:lstStyle/>
           <a:p>
             <a:r>
-              <a:rPr lang="en-US" smtClean="0"/>
+              <a:rPr lang="en-US"/>
               <a:t>Click to edit Master title style</a:t>
             </a:r>
-            <a:endParaRPr lang="en-US"/>
           </a:p>
         </p:txBody>
       </p:sp>
@@ -3087,38 +3064,37 @@
           <a:p>
             <a:pPr lvl="0"/>
             <a:r>
-              <a:rPr lang="en-US" dirty="0" smtClean="0"/>
+              <a:rPr lang="en-US" dirty="0"/>
               <a:t>Click to edit Master text styles</a:t>
             </a:r>
           </a:p>
           <a:p>
             <a:pPr lvl="1"/>
             <a:r>
-              <a:rPr lang="en-US" dirty="0" smtClean="0"/>
+              <a:rPr lang="en-US" dirty="0"/>
               <a:t>Second level</a:t>
             </a:r>
           </a:p>
           <a:p>
             <a:pPr lvl="2"/>
             <a:r>
-              <a:rPr lang="en-US" dirty="0" smtClean="0"/>
+              <a:rPr lang="en-US" dirty="0"/>
               <a:t>Third level</a:t>
             </a:r>
           </a:p>
           <a:p>
             <a:pPr lvl="3"/>
             <a:r>
-              <a:rPr lang="en-US" dirty="0" smtClean="0"/>
+              <a:rPr lang="en-US" dirty="0"/>
               <a:t>Fourth level</a:t>
             </a:r>
           </a:p>
           <a:p>
             <a:pPr lvl="4"/>
             <a:r>
-              <a:rPr lang="en-US" dirty="0" smtClean="0"/>
+              <a:rPr lang="en-US" dirty="0"/>
               <a:t>Fifth level</a:t>
             </a:r>
-            <a:endParaRPr lang="en-US" dirty="0"/>
           </a:p>
         </p:txBody>
       </p:sp>
@@ -3157,7 +3133,7 @@
           <a:p>
             <a:fld id="{E70F27B2-3269-4E45-84E0-3A554EA5F6EB}" type="datetimeFigureOut">
               <a:rPr lang="en-US" smtClean="0"/>
-              <a:t>9/12/17</a:t>
+              <a:t>5/23/18</a:t>
             </a:fld>
             <a:endParaRPr lang="en-US"/>
           </a:p>
@@ -3195,7 +3171,7 @@
           </a:lstStyle>
           <a:p>
             <a:r>
-              <a:rPr lang="en-US" dirty="0" err="1" smtClean="0"/>
+              <a:rPr lang="en-US" dirty="0" err="1"/>
               <a:t>Bioinformatics.core@ucdavis.edu</a:t>
             </a:r>
             <a:endParaRPr lang="en-US" dirty="0"/>
@@ -3660,17 +3636,17 @@
           </a:ln>
           <a:extLst>
             <a:ext uri="{FAA26D3D-D897-4be2-8F04-BA451C77F1D7}">
-              <ma14:placeholderFlag xmlns:ma14="http://schemas.microsoft.com/office/mac/drawingml/2011/main" val="1"/>
+              <ma14:placeholderFlag xmlns:ma14="http://schemas.microsoft.com/office/mac/drawingml/2011/main" xmlns="" val="1"/>
             </a:ext>
             <a:ext uri="{909E8E84-426E-40dd-AFC4-6F175D3DCCD1}">
-              <a14:hiddenFill xmlns="" xmlns:a14="http://schemas.microsoft.com/office/drawing/2010/main">
+              <a14:hiddenFill xmlns:a14="http://schemas.microsoft.com/office/drawing/2010/main" xmlns="">
                 <a:solidFill>
                   <a:srgbClr val="FFFFFF"/>
                 </a:solidFill>
               </a14:hiddenFill>
             </a:ext>
             <a:ext uri="{91240B29-F687-4f45-9708-019B960494DF}">
-              <a14:hiddenLine xmlns="" xmlns:a14="http://schemas.microsoft.com/office/drawing/2010/main" w="9525">
+              <a14:hiddenLine xmlns:a14="http://schemas.microsoft.com/office/drawing/2010/main" xmlns="" w="9525">
                 <a:solidFill>
                   <a:srgbClr val="000000"/>
                 </a:solidFill>
@@ -3926,7 +3902,7 @@
               </a:tabLst>
             </a:pPr>
             <a:r>
-              <a:rPr lang="en-US" sz="2800" dirty="0" smtClean="0"/>
+              <a:rPr lang="en-US" sz="2800" dirty="0"/>
               <a:t>Closing Thoughts</a:t>
             </a:r>
             <a:endParaRPr lang="en-CA" sz="2903" dirty="0">
@@ -4105,13 +4081,6 @@
   <p:clrMapOvr>
     <a:masterClrMapping/>
   </p:clrMapOvr>
-  <p:timing>
-    <p:tnLst>
-      <p:par>
-        <p:cTn id="1" dur="indefinite" restart="never" nodeType="tmRoot"/>
-      </p:par>
-    </p:tnLst>
-  </p:timing>
 </p:sld>
 </file>
 
@@ -4312,13 +4281,6 @@
   <p:clrMapOvr>
     <a:masterClrMapping/>
   </p:clrMapOvr>
-  <p:timing>
-    <p:tnLst>
-      <p:par>
-        <p:cTn id="1" dur="indefinite" restart="never" nodeType="tmRoot"/>
-      </p:par>
-    </p:tnLst>
-  </p:timing>
 </p:sld>
 </file>
 
@@ -4441,13 +4403,6 @@
   <p:clrMapOvr>
     <a:masterClrMapping/>
   </p:clrMapOvr>
-  <p:timing>
-    <p:tnLst>
-      <p:par>
-        <p:cTn id="1" dur="indefinite" restart="never" nodeType="tmRoot"/>
-      </p:par>
-    </p:tnLst>
-  </p:timing>
 </p:sld>
 </file>
 
@@ -4485,11 +4440,7 @@
           <a:p>
             <a:r>
               <a:rPr lang="en-US" b="1" dirty="0"/>
-              <a:t>The Bottom Line</a:t>
-            </a:r>
-            <a:r>
-              <a:rPr lang="en-US" b="1" dirty="0" smtClean="0"/>
-              <a:t>:</a:t>
+              <a:t>The Bottom Line:</a:t>
             </a:r>
             <a:endParaRPr lang="en-US" dirty="0"/>
           </a:p>
@@ -4517,7 +4468,7 @@
           <a:lstStyle/>
           <a:p>
             <a:r>
-              <a:rPr lang="en-US" sz="3600" smtClean="0"/>
+              <a:rPr lang="en-US" sz="3600"/>
               <a:t>Spend </a:t>
             </a:r>
             <a:r>
@@ -4576,13 +4527,6 @@
   <p:clrMapOvr>
     <a:masterClrMapping/>
   </p:clrMapOvr>
-  <p:timing>
-    <p:tnLst>
-      <p:par>
-        <p:cTn id="1" dur="indefinite" restart="never" nodeType="tmRoot"/>
-      </p:par>
-    </p:tnLst>
-  </p:timing>
 </p:sld>
 </file>
 
@@ -4619,14 +4563,9 @@
           <a:lstStyle/>
           <a:p>
             <a:r>
-              <a:rPr lang="en-US" smtClean="0"/>
-              <a:t>Workshop week 2 </a:t>
-            </a:r>
-            <a:r>
-              <a:rPr lang="en-US" dirty="0" smtClean="0"/>
-              <a:t>reservation</a:t>
-            </a:r>
-            <a:endParaRPr lang="en-US" dirty="0"/>
+              <a:rPr lang="en-US" dirty="0"/>
+              <a:t>Workshop week reservation</a:t>
+            </a:r>
           </a:p>
         </p:txBody>
       </p:sp>
@@ -4643,55 +4582,22 @@
         <p:spPr/>
         <p:txBody>
           <a:bodyPr>
-            <a:normAutofit lnSpcReduction="10000"/>
+            <a:normAutofit/>
           </a:bodyPr>
           <a:lstStyle/>
           <a:p>
             <a:r>
-              <a:rPr lang="en-US" dirty="0" smtClean="0"/>
-              <a:t>workshop     ACTIVE  Friday September 15</a:t>
-            </a:r>
-            <a:r>
-              <a:rPr lang="en-US" baseline="30000" dirty="0" smtClean="0"/>
+              <a:rPr lang="en-US" dirty="0"/>
+              <a:t>workshop     ACTIVE  May 21</a:t>
+            </a:r>
+            <a:r>
+              <a:rPr lang="en-US" baseline="30000" dirty="0"/>
               <a:t>th</a:t>
             </a:r>
             <a:r>
-              <a:rPr lang="en-US" dirty="0" smtClean="0"/>
-              <a:t>, 2017</a:t>
-            </a:r>
-          </a:p>
-          <a:p>
-            <a:r>
-              <a:rPr lang="en-US" dirty="0" smtClean="0"/>
-              <a:t>Follow up on Friday September 15</a:t>
-            </a:r>
-            <a:r>
-              <a:rPr lang="en-US" baseline="30000" dirty="0" smtClean="0"/>
-              <a:t>th</a:t>
-            </a:r>
-            <a:r>
-              <a:rPr lang="en-US" dirty="0" smtClean="0"/>
-              <a:t> in the GBSF Auditorium</a:t>
-            </a:r>
-          </a:p>
-          <a:p>
-            <a:pPr marL="0" indent="0">
-              <a:buNone/>
-            </a:pPr>
-            <a:r>
-              <a:rPr lang="en-US" dirty="0" smtClean="0"/>
-              <a:t> </a:t>
-            </a:r>
-          </a:p>
-          <a:p>
-            <a:pPr marL="0" indent="0">
-              <a:buNone/>
-            </a:pPr>
-            <a:r>
-              <a:rPr lang="en-US" dirty="0" smtClean="0"/>
-              <a:t>My recommendation is to follow all of the instructions again, from the beginning on your own and send emails to </a:t>
-            </a:r>
-            <a:endParaRPr lang="en-US" dirty="0" smtClean="0"/>
+              <a:rPr lang="en-US" dirty="0"/>
+              <a:t>, 2018 to May 30 at midnight</a:t>
+            </a:r>
           </a:p>
           <a:p>
             <a:pPr marL="0" indent="0">
@@ -4704,36 +4610,49 @@
               <a:buNone/>
             </a:pPr>
             <a:r>
-              <a:rPr lang="en-US" dirty="0" smtClean="0"/>
+              <a:rPr lang="en-US" dirty="0"/>
+              <a:t>My recommendation is to follow all of the instructions again, from the beginning on your own and send emails to </a:t>
+            </a:r>
+          </a:p>
+          <a:p>
+            <a:pPr marL="0" indent="0">
+              <a:buNone/>
+            </a:pPr>
+            <a:endParaRPr lang="en-US" dirty="0"/>
+          </a:p>
+          <a:p>
+            <a:pPr marL="0" indent="0">
+              <a:buNone/>
+            </a:pPr>
+            <a:r>
+              <a:rPr lang="en-US" dirty="0"/>
               <a:t>	</a:t>
             </a:r>
             <a:r>
-              <a:rPr lang="en-US" dirty="0" smtClean="0">
+              <a:rPr lang="en-US" dirty="0">
                 <a:hlinkClick r:id="rId2"/>
               </a:rPr>
               <a:t>training.bioinformatics@ucdavis.edu</a:t>
             </a:r>
             <a:r>
-              <a:rPr lang="en-US" smtClean="0"/>
+              <a:rPr lang="en-US" dirty="0"/>
               <a:t>	</a:t>
             </a:r>
-            <a:endParaRPr lang="en-US" dirty="0" smtClean="0"/>
           </a:p>
           <a:p>
             <a:pPr marL="0" indent="0">
               <a:buNone/>
             </a:pPr>
-            <a:endParaRPr lang="en-US" dirty="0" smtClean="0"/>
+            <a:endParaRPr lang="en-US" dirty="0"/>
           </a:p>
           <a:p>
             <a:pPr marL="0" indent="0">
               <a:buNone/>
             </a:pPr>
             <a:r>
-              <a:rPr lang="en-US" dirty="0" smtClean="0"/>
+              <a:rPr lang="en-US" dirty="0"/>
               <a:t>And we will be responsive to answering questions</a:t>
             </a:r>
-            <a:endParaRPr lang="en-US" dirty="0"/>
           </a:p>
         </p:txBody>
       </p:sp>
@@ -4747,13 +4666,6 @@
   <p:clrMapOvr>
     <a:masterClrMapping/>
   </p:clrMapOvr>
-  <p:timing>
-    <p:tnLst>
-      <p:par>
-        <p:cTn id="1" dur="indefinite" restart="never" nodeType="tmRoot"/>
-      </p:par>
-    </p:tnLst>
-  </p:timing>
 </p:sld>
 </file>
 
@@ -4784,263 +4696,381 @@
             <p:ph type="title"/>
           </p:nvPr>
         </p:nvSpPr>
+        <p:spPr/>
+        <p:txBody>
+          <a:bodyPr/>
+          <a:lstStyle/>
+          <a:p>
+            <a:r>
+              <a:rPr lang="en-US" dirty="0"/>
+              <a:t>Future workshops</a:t>
+            </a:r>
+          </a:p>
+        </p:txBody>
+      </p:sp>
+      <p:sp>
+        <p:nvSpPr>
+          <p:cNvPr id="4" name="Rectangle 3"/>
+          <p:cNvSpPr/>
+          <p:nvPr/>
+        </p:nvSpPr>
         <p:spPr>
           <a:xfrm>
-            <a:off x="1352550" y="2860675"/>
-            <a:ext cx="10515600" cy="1325563"/>
+            <a:off x="902312" y="6311900"/>
+            <a:ext cx="6647974" cy="461665"/>
           </a:xfrm>
+          <a:prstGeom prst="rect">
+            <a:avLst/>
+          </a:prstGeom>
         </p:spPr>
         <p:txBody>
-          <a:bodyPr>
-            <a:normAutofit fontScale="90000"/>
+          <a:bodyPr wrap="none">
+            <a:spAutoFit/>
           </a:bodyPr>
           <a:lstStyle/>
           <a:p>
             <a:r>
-              <a:rPr lang="en-US" dirty="0" smtClean="0"/>
-              <a:t>Phase Genomics Talk</a:t>
-            </a:r>
-            <a:br>
-              <a:rPr lang="en-US" dirty="0" smtClean="0"/>
-            </a:br>
-            <a:r>
-              <a:rPr lang="en-US" dirty="0" smtClean="0"/>
-              <a:t>September 19</a:t>
-            </a:r>
-            <a:r>
-              <a:rPr lang="en-US" baseline="30000" dirty="0" smtClean="0"/>
-              <a:t>th</a:t>
-            </a:r>
-            <a:r>
-              <a:rPr lang="en-US" dirty="0" smtClean="0"/>
-              <a:t/>
-            </a:r>
-            <a:br>
-              <a:rPr lang="en-US" dirty="0" smtClean="0"/>
-            </a:br>
-            <a:r>
-              <a:rPr lang="en-US" dirty="0" smtClean="0"/>
-              <a:t>Tuesday, 2:30PM</a:t>
-            </a:r>
-            <a:br>
-              <a:rPr lang="en-US" dirty="0" smtClean="0"/>
-            </a:br>
-            <a:endParaRPr lang="en-US" dirty="0"/>
+              <a:rPr lang="en-US" sz="2400" dirty="0">
+                <a:hlinkClick r:id="rId2"/>
+              </a:rPr>
+              <a:t>http://registration.genomecenter.ucdavis.edu/</a:t>
+            </a:r>
+            <a:r>
+              <a:rPr lang="en-US" sz="2400" dirty="0"/>
+              <a:t>	</a:t>
+            </a:r>
           </a:p>
         </p:txBody>
       </p:sp>
       <p:pic>
         <p:nvPicPr>
-          <p:cNvPr id="4" name="Content Placeholder 3"/>
+          <p:cNvPr id="13" name="Picture 12">
+            <a:extLst>
+              <a:ext uri="{FF2B5EF4-FFF2-40B4-BE49-F238E27FC236}">
+                <a16:creationId xmlns:a16="http://schemas.microsoft.com/office/drawing/2014/main" id="{84E8C9EA-2BEC-0A48-AF71-069C925CE557}"/>
+              </a:ext>
+            </a:extLst>
+          </p:cNvPr>
           <p:cNvPicPr>
-            <a:picLocks noGrp="1" noChangeAspect="1"/>
+            <a:picLocks noChangeAspect="1"/>
           </p:cNvPicPr>
-          <p:nvPr>
-            <p:ph idx="1"/>
-          </p:nvPr>
+          <p:nvPr/>
         </p:nvPicPr>
         <p:blipFill>
-          <a:blip r:embed="rId2">
-            <a:extLst>
-              <a:ext uri="{28A0092B-C50C-407E-A947-70E740481C1C}">
-                <a14:useLocalDpi xmlns:a14="http://schemas.microsoft.com/office/drawing/2010/main" val="0"/>
-              </a:ext>
-            </a:extLst>
-          </a:blip>
+          <a:blip r:embed="rId3"/>
           <a:stretch>
             <a:fillRect/>
           </a:stretch>
         </p:blipFill>
         <p:spPr>
           <a:xfrm>
-            <a:off x="6833792" y="262076"/>
-            <a:ext cx="4901008" cy="6200637"/>
-          </a:xfrm>
-        </p:spPr>
-      </p:pic>
-    </p:spTree>
-    <p:extLst>
-      <p:ext uri="{BB962C8B-B14F-4D97-AF65-F5344CB8AC3E}">
-        <p14:creationId xmlns:p14="http://schemas.microsoft.com/office/powerpoint/2010/main" val="1498289379"/>
-      </p:ext>
-    </p:extLst>
-  </p:cSld>
-  <p:clrMapOvr>
-    <a:masterClrMapping/>
-  </p:clrMapOvr>
-</p:sld>
-</file>
-
-<file path=ppt/slides/slide7.xml><?xml version="1.0" encoding="utf-8"?>
-<p:sld xmlns:a="http://schemas.openxmlformats.org/drawingml/2006/main" xmlns:r="http://schemas.openxmlformats.org/officeDocument/2006/relationships" xmlns:p="http://schemas.openxmlformats.org/presentationml/2006/main">
-  <p:cSld>
-    <p:spTree>
-      <p:nvGrpSpPr>
-        <p:cNvPr id="1" name=""/>
-        <p:cNvGrpSpPr/>
-        <p:nvPr/>
-      </p:nvGrpSpPr>
-      <p:grpSpPr>
-        <a:xfrm>
-          <a:off x="0" y="0"/>
-          <a:ext cx="0" cy="0"/>
-          <a:chOff x="0" y="0"/>
-          <a:chExt cx="0" cy="0"/>
-        </a:xfrm>
-      </p:grpSpPr>
-      <p:sp>
-        <p:nvSpPr>
-          <p:cNvPr id="2" name="Title 1"/>
-          <p:cNvSpPr>
-            <a:spLocks noGrp="1"/>
-          </p:cNvSpPr>
-          <p:nvPr>
-            <p:ph type="title"/>
-          </p:nvPr>
-        </p:nvSpPr>
-        <p:spPr>
-          <a:xfrm>
-            <a:off x="990600" y="1698625"/>
-            <a:ext cx="10515600" cy="1325563"/>
-          </a:xfrm>
-        </p:spPr>
-        <p:txBody>
-          <a:bodyPr>
-            <a:normAutofit fontScale="90000"/>
-          </a:bodyPr>
-          <a:lstStyle/>
-          <a:p>
-            <a:r>
-              <a:rPr lang="en-US" dirty="0" smtClean="0"/>
-              <a:t>KBASE Workshop</a:t>
-            </a:r>
-            <a:br>
-              <a:rPr lang="en-US" dirty="0" smtClean="0"/>
-            </a:br>
-            <a:r>
-              <a:rPr lang="en-US" dirty="0" smtClean="0"/>
-              <a:t>Sept 20</a:t>
-            </a:r>
-            <a:r>
-              <a:rPr lang="en-US" baseline="30000" dirty="0" smtClean="0"/>
-              <a:t>th</a:t>
-            </a:r>
-            <a:r>
-              <a:rPr lang="en-US" dirty="0"/>
-              <a:t/>
-            </a:r>
-            <a:br>
-              <a:rPr lang="en-US" dirty="0"/>
-            </a:br>
-            <a:r>
-              <a:rPr lang="en-US" dirty="0" smtClean="0"/>
-              <a:t>10am to 3pm</a:t>
-            </a:r>
-            <a:br>
-              <a:rPr lang="en-US" dirty="0" smtClean="0"/>
-            </a:br>
-            <a:r>
-              <a:rPr lang="en-US" dirty="0" smtClean="0"/>
-              <a:t>In Coordination with</a:t>
-            </a:r>
-            <a:br>
-              <a:rPr lang="en-US" dirty="0" smtClean="0"/>
-            </a:br>
-            <a:r>
-              <a:rPr lang="en-US" dirty="0" smtClean="0"/>
-              <a:t>the Library</a:t>
-            </a:r>
-            <a:endParaRPr lang="en-US" dirty="0"/>
-          </a:p>
-        </p:txBody>
-      </p:sp>
-      <p:pic>
-        <p:nvPicPr>
-          <p:cNvPr id="4" name="Picture 3"/>
-          <p:cNvPicPr>
-            <a:picLocks noChangeAspect="1"/>
-          </p:cNvPicPr>
-          <p:nvPr/>
-        </p:nvPicPr>
-        <p:blipFill>
-          <a:blip r:embed="rId2">
-            <a:extLst>
-              <a:ext uri="{28A0092B-C50C-407E-A947-70E740481C1C}">
-                <a14:useLocalDpi xmlns:a14="http://schemas.microsoft.com/office/drawing/2010/main" val="0"/>
-              </a:ext>
-            </a:extLst>
-          </a:blip>
-          <a:stretch>
-            <a:fillRect/>
-          </a:stretch>
-        </p:blipFill>
-        <p:spPr>
-          <a:xfrm>
-            <a:off x="4991100" y="1013301"/>
-            <a:ext cx="7353300" cy="2696210"/>
+            <a:off x="4410058" y="1489063"/>
+            <a:ext cx="7354061" cy="1750967"/>
           </a:xfrm>
           <a:prstGeom prst="rect">
             <a:avLst/>
           </a:prstGeom>
         </p:spPr>
       </p:pic>
-      <p:sp>
-        <p:nvSpPr>
-          <p:cNvPr id="5" name="Rectangle 4"/>
-          <p:cNvSpPr/>
-          <p:nvPr/>
-        </p:nvSpPr>
-        <p:spPr>
-          <a:xfrm>
-            <a:off x="2343150" y="4834235"/>
-            <a:ext cx="8191500" cy="830997"/>
-          </a:xfrm>
-          <a:prstGeom prst="rect">
-            <a:avLst/>
-          </a:prstGeom>
-        </p:spPr>
-        <p:txBody>
-          <a:bodyPr wrap="square">
-            <a:spAutoFit/>
-          </a:bodyPr>
-          <a:lstStyle/>
-          <a:p>
-            <a:pPr algn="ctr"/>
-            <a:r>
-              <a:rPr lang="en-US" sz="2400" b="1" dirty="0">
-                <a:solidFill>
-                  <a:srgbClr val="000000"/>
-                </a:solidFill>
-                <a:latin typeface="Helvetica Neue" charset="0"/>
-              </a:rPr>
-              <a:t>A collaborative, open environment for systems biology</a:t>
-            </a:r>
-          </a:p>
-          <a:p>
-            <a:pPr algn="ctr"/>
-            <a:r>
-              <a:rPr lang="en-US" sz="2400" b="1" dirty="0">
-                <a:solidFill>
-                  <a:srgbClr val="000000"/>
-                </a:solidFill>
-                <a:latin typeface="Helvetica Neue" charset="0"/>
-              </a:rPr>
-              <a:t>of plants, microbes and their communities</a:t>
-            </a:r>
-            <a:endParaRPr lang="en-US" sz="2400" b="1" i="0" dirty="0">
-              <a:solidFill>
-                <a:srgbClr val="000000"/>
-              </a:solidFill>
-              <a:effectLst/>
-              <a:latin typeface="Helvetica Neue" charset="0"/>
-            </a:endParaRPr>
-          </a:p>
-        </p:txBody>
-      </p:sp>
+      <p:graphicFrame>
+        <p:nvGraphicFramePr>
+          <p:cNvPr id="3" name="Table 2">
+            <a:extLst>
+              <a:ext uri="{FF2B5EF4-FFF2-40B4-BE49-F238E27FC236}">
+                <a16:creationId xmlns:a16="http://schemas.microsoft.com/office/drawing/2014/main" id="{BE06755D-8140-F040-A761-D367ABE617D7}"/>
+              </a:ext>
+            </a:extLst>
+          </p:cNvPr>
+          <p:cNvGraphicFramePr>
+            <a:graphicFrameLocks noGrp="1"/>
+          </p:cNvGraphicFramePr>
+          <p:nvPr>
+            <p:extLst>
+              <p:ext uri="{D42A27DB-BD31-4B8C-83A1-F6EECF244321}">
+                <p14:modId xmlns:p14="http://schemas.microsoft.com/office/powerpoint/2010/main" val="794590391"/>
+              </p:ext>
+            </p:extLst>
+          </p:nvPr>
+        </p:nvGraphicFramePr>
+        <p:xfrm>
+          <a:off x="2078299" y="3571950"/>
+          <a:ext cx="8585799" cy="1924671"/>
+        </p:xfrm>
+        <a:graphic>
+          <a:graphicData uri="http://schemas.openxmlformats.org/drawingml/2006/table">
+            <a:tbl>
+              <a:tblPr firstRow="1" bandRow="1">
+                <a:tableStyleId>{5C22544A-7EE6-4342-B048-85BDC9FD1C3A}</a:tableStyleId>
+              </a:tblPr>
+              <a:tblGrid>
+                <a:gridCol w="1752346">
+                  <a:extLst>
+                    <a:ext uri="{9D8B030D-6E8A-4147-A177-3AD203B41FA5}">
+                      <a16:colId xmlns:a16="http://schemas.microsoft.com/office/drawing/2014/main" val="1268463775"/>
+                    </a:ext>
+                  </a:extLst>
+                </a:gridCol>
+                <a:gridCol w="872490">
+                  <a:extLst>
+                    <a:ext uri="{9D8B030D-6E8A-4147-A177-3AD203B41FA5}">
+                      <a16:colId xmlns:a16="http://schemas.microsoft.com/office/drawing/2014/main" val="717556481"/>
+                    </a:ext>
+                  </a:extLst>
+                </a:gridCol>
+                <a:gridCol w="5960963">
+                  <a:extLst>
+                    <a:ext uri="{9D8B030D-6E8A-4147-A177-3AD203B41FA5}">
+                      <a16:colId xmlns:a16="http://schemas.microsoft.com/office/drawing/2014/main" val="1080923144"/>
+                    </a:ext>
+                  </a:extLst>
+                </a:gridCol>
+              </a:tblGrid>
+              <a:tr h="0">
+                <a:tc>
+                  <a:txBody>
+                    <a:bodyPr/>
+                    <a:lstStyle/>
+                    <a:p>
+                      <a:r>
+                        <a:rPr lang="en-US" dirty="0"/>
+                        <a:t>When</a:t>
+                      </a:r>
+                    </a:p>
+                  </a:txBody>
+                  <a:tcPr/>
+                </a:tc>
+                <a:tc>
+                  <a:txBody>
+                    <a:bodyPr/>
+                    <a:lstStyle/>
+                    <a:p>
+                      <a:r>
+                        <a:rPr lang="en-US" dirty="0"/>
+                        <a:t>Where</a:t>
+                      </a:r>
+                    </a:p>
+                  </a:txBody>
+                  <a:tcPr/>
+                </a:tc>
+                <a:tc>
+                  <a:txBody>
+                    <a:bodyPr/>
+                    <a:lstStyle/>
+                    <a:p>
+                      <a:r>
+                        <a:rPr lang="en-US" dirty="0"/>
+                        <a:t>What</a:t>
+                      </a:r>
+                    </a:p>
+                  </a:txBody>
+                  <a:tcPr/>
+                </a:tc>
+                <a:extLst>
+                  <a:ext uri="{0D108BD9-81ED-4DB2-BD59-A6C34878D82A}">
+                    <a16:rowId xmlns:a16="http://schemas.microsoft.com/office/drawing/2014/main" val="1097526533"/>
+                  </a:ext>
+                </a:extLst>
+              </a:tr>
+              <a:tr h="461631">
+                <a:tc>
+                  <a:txBody>
+                    <a:bodyPr/>
+                    <a:lstStyle/>
+                    <a:p>
+                      <a:r>
+                        <a:rPr lang="en-US" dirty="0"/>
+                        <a:t>Aug 27-31, 2018</a:t>
+                      </a:r>
+                    </a:p>
+                  </a:txBody>
+                  <a:tcPr/>
+                </a:tc>
+                <a:tc>
+                  <a:txBody>
+                    <a:bodyPr/>
+                    <a:lstStyle/>
+                    <a:p>
+                      <a:r>
+                        <a:rPr lang="en-US" dirty="0"/>
+                        <a:t>UCD</a:t>
+                      </a:r>
+                    </a:p>
+                  </a:txBody>
+                  <a:tcPr/>
+                </a:tc>
+                <a:tc>
+                  <a:txBody>
+                    <a:bodyPr/>
+                    <a:lstStyle/>
+                    <a:p>
+                      <a:r>
+                        <a:rPr lang="en-US" dirty="0"/>
+                        <a:t>Variant Analysis</a:t>
+                      </a:r>
+                    </a:p>
+                  </a:txBody>
+                  <a:tcPr/>
+                </a:tc>
+                <a:extLst>
+                  <a:ext uri="{0D108BD9-81ED-4DB2-BD59-A6C34878D82A}">
+                    <a16:rowId xmlns:a16="http://schemas.microsoft.com/office/drawing/2014/main" val="3690634770"/>
+                  </a:ext>
+                </a:extLst>
+              </a:tr>
+              <a:tr h="235445">
+                <a:tc>
+                  <a:txBody>
+                    <a:bodyPr/>
+                    <a:lstStyle/>
+                    <a:p>
+                      <a:r>
+                        <a:rPr lang="en-US" dirty="0"/>
+                        <a:t>Sept 4-5, 2018</a:t>
+                      </a:r>
+                    </a:p>
+                  </a:txBody>
+                  <a:tcPr/>
+                </a:tc>
+                <a:tc>
+                  <a:txBody>
+                    <a:bodyPr/>
+                    <a:lstStyle/>
+                    <a:p>
+                      <a:r>
+                        <a:rPr lang="en-US" dirty="0"/>
+                        <a:t>UCD</a:t>
+                      </a:r>
+                    </a:p>
+                  </a:txBody>
+                  <a:tcPr/>
+                </a:tc>
+                <a:tc>
+                  <a:txBody>
+                    <a:bodyPr/>
+                    <a:lstStyle/>
+                    <a:p>
+                      <a:r>
+                        <a:rPr lang="en-US" dirty="0"/>
+                        <a:t>Command Line Workshop</a:t>
+                      </a:r>
+                    </a:p>
+                  </a:txBody>
+                  <a:tcPr/>
+                </a:tc>
+                <a:extLst>
+                  <a:ext uri="{0D108BD9-81ED-4DB2-BD59-A6C34878D82A}">
+                    <a16:rowId xmlns:a16="http://schemas.microsoft.com/office/drawing/2014/main" val="3885567829"/>
+                  </a:ext>
+                </a:extLst>
+              </a:tr>
+              <a:tr h="0">
+                <a:tc>
+                  <a:txBody>
+                    <a:bodyPr/>
+                    <a:lstStyle/>
+                    <a:p>
+                      <a:r>
+                        <a:rPr lang="en-US" dirty="0"/>
+                        <a:t>Sept 6-7, 2018</a:t>
+                      </a:r>
+                    </a:p>
+                  </a:txBody>
+                  <a:tcPr/>
+                </a:tc>
+                <a:tc>
+                  <a:txBody>
+                    <a:bodyPr/>
+                    <a:lstStyle/>
+                    <a:p>
+                      <a:r>
+                        <a:rPr lang="en-US" dirty="0"/>
+                        <a:t>UCD</a:t>
+                      </a:r>
+                    </a:p>
+                  </a:txBody>
+                  <a:tcPr/>
+                </a:tc>
+                <a:tc>
+                  <a:txBody>
+                    <a:bodyPr/>
+                    <a:lstStyle/>
+                    <a:p>
+                      <a:r>
+                        <a:rPr lang="en-US" dirty="0"/>
+                        <a:t>R Workshop</a:t>
+                      </a:r>
+                    </a:p>
+                  </a:txBody>
+                  <a:tcPr/>
+                </a:tc>
+                <a:extLst>
+                  <a:ext uri="{0D108BD9-81ED-4DB2-BD59-A6C34878D82A}">
+                    <a16:rowId xmlns:a16="http://schemas.microsoft.com/office/drawing/2014/main" val="1094263173"/>
+                  </a:ext>
+                </a:extLst>
+              </a:tr>
+              <a:tr h="0">
+                <a:tc>
+                  <a:txBody>
+                    <a:bodyPr/>
+                    <a:lstStyle/>
+                    <a:p>
+                      <a:r>
+                        <a:rPr lang="en-US" dirty="0"/>
+                        <a:t>December, 2018</a:t>
+                      </a:r>
+                    </a:p>
+                  </a:txBody>
+                  <a:tcPr/>
+                </a:tc>
+                <a:tc>
+                  <a:txBody>
+                    <a:bodyPr/>
+                    <a:lstStyle/>
+                    <a:p>
+                      <a:r>
+                        <a:rPr lang="en-US" dirty="0"/>
+                        <a:t>UCD</a:t>
+                      </a:r>
+                    </a:p>
+                  </a:txBody>
+                  <a:tcPr/>
+                </a:tc>
+                <a:tc>
+                  <a:txBody>
+                    <a:bodyPr/>
+                    <a:lstStyle/>
+                    <a:p>
+                      <a:r>
+                        <a:rPr lang="en-US" dirty="0"/>
+                        <a:t>Genome Assembly (</a:t>
+                      </a:r>
+                      <a:r>
+                        <a:rPr lang="en-US" dirty="0" err="1"/>
+                        <a:t>euk</a:t>
+                      </a:r>
+                      <a:r>
+                        <a:rPr lang="en-US" dirty="0"/>
+                        <a:t>)</a:t>
+                      </a:r>
+                    </a:p>
+                  </a:txBody>
+                  <a:tcPr/>
+                </a:tc>
+                <a:extLst>
+                  <a:ext uri="{0D108BD9-81ED-4DB2-BD59-A6C34878D82A}">
+                    <a16:rowId xmlns:a16="http://schemas.microsoft.com/office/drawing/2014/main" val="231837442"/>
+                  </a:ext>
+                </a:extLst>
+              </a:tr>
+            </a:tbl>
+          </a:graphicData>
+        </a:graphic>
+      </p:graphicFrame>
     </p:spTree>
     <p:extLst>
       <p:ext uri="{BB962C8B-B14F-4D97-AF65-F5344CB8AC3E}">
-        <p14:creationId xmlns:p14="http://schemas.microsoft.com/office/powerpoint/2010/main" val="1139023525"/>
+        <p14:creationId xmlns:p14="http://schemas.microsoft.com/office/powerpoint/2010/main" val="714886517"/>
       </p:ext>
     </p:extLst>
   </p:cSld>
